--- a/Deck/typescript_ktalk.pptx
+++ b/Deck/typescript_ktalk.pptx
@@ -125,6 +125,11 @@
       </a:defRPr>
     </a:lvl9pPr>
   </p:defaultTextStyle>
+  <p:extLst>
+    <p:ext uri="{EFAFB233-063F-42B5-8137-9DF3F51BA10A}">
+      <p15:sldGuideLst xmlns:p15="http://schemas.microsoft.com/office/powerpoint/2012/main"/>
+    </p:ext>
+  </p:extLst>
 </p:presentation>
 </file>
 
@@ -305,7 +310,6 @@
               <a:rPr lang="en-US"/>
               <a:t>Fifth level</a:t>
             </a:r>
-            <a:endParaRPr lang="en-US"/>
           </a:p>
         </p:txBody>
       </p:sp>
@@ -2704,6 +2708,80 @@
               </a:rPr>
               <a:t>http://alm.tools/</a:t>
             </a:r>
+          </a:p>
+          <a:p>
+            <a:endParaRPr lang="en-US" sz="1200" b="0" i="0" kern="1200" dirty="0">
+              <a:solidFill>
+                <a:schemeClr val="tx1"/>
+              </a:solidFill>
+              <a:effectLst/>
+              <a:latin typeface="+mn-lt"/>
+              <a:ea typeface="+mn-ea"/>
+              <a:cs typeface="+mn-cs"/>
+            </a:endParaRPr>
+          </a:p>
+          <a:p>
+            <a:r>
+              <a:rPr lang="en-US" sz="1200" b="0" i="0" kern="1200" dirty="0">
+                <a:solidFill>
+                  <a:schemeClr val="tx1"/>
+                </a:solidFill>
+                <a:effectLst/>
+                <a:latin typeface="+mn-lt"/>
+                <a:ea typeface="+mn-ea"/>
+                <a:cs typeface="+mn-cs"/>
+              </a:rPr>
+              <a:t>Refactoring</a:t>
+            </a:r>
+          </a:p>
+          <a:p>
+            <a:r>
+              <a:rPr lang="en-US" sz="1200" b="0" i="0" kern="1200" dirty="0">
+                <a:solidFill>
+                  <a:schemeClr val="tx1"/>
+                </a:solidFill>
+                <a:effectLst/>
+                <a:latin typeface="+mn-lt"/>
+                <a:ea typeface="+mn-ea"/>
+                <a:cs typeface="+mn-cs"/>
+              </a:rPr>
+              <a:t>Find</a:t>
+            </a:r>
+            <a:r>
+              <a:rPr lang="en-US" sz="1200" b="0" i="0" kern="1200" baseline="0" dirty="0">
+                <a:solidFill>
+                  <a:schemeClr val="tx1"/>
+                </a:solidFill>
+                <a:effectLst/>
+                <a:latin typeface="+mn-lt"/>
+                <a:ea typeface="+mn-ea"/>
+                <a:cs typeface="+mn-cs"/>
+              </a:rPr>
+              <a:t> references</a:t>
+            </a:r>
+          </a:p>
+          <a:p>
+            <a:r>
+              <a:rPr lang="en-US" sz="1200" b="0" i="0" kern="1200" baseline="0" dirty="0">
+                <a:solidFill>
+                  <a:schemeClr val="tx1"/>
+                </a:solidFill>
+                <a:effectLst/>
+                <a:latin typeface="+mn-lt"/>
+                <a:ea typeface="+mn-ea"/>
+                <a:cs typeface="+mn-cs"/>
+              </a:rPr>
+              <a:t>Imports/exports</a:t>
+            </a:r>
+            <a:endParaRPr lang="en-US" sz="1200" b="0" i="0" kern="1200" dirty="0">
+              <a:solidFill>
+                <a:schemeClr val="tx1"/>
+              </a:solidFill>
+              <a:effectLst/>
+              <a:latin typeface="+mn-lt"/>
+              <a:ea typeface="+mn-ea"/>
+              <a:cs typeface="+mn-cs"/>
+            </a:endParaRPr>
           </a:p>
           <a:p>
             <a:endParaRPr lang="en-US" dirty="0"/>
